--- a/Slides/4_Introduccion_a_la_prorgamacion.pptx
+++ b/Slides/4_Introduccion_a_la_prorgamacion.pptx
@@ -307,6 +307,30 @@
             <pc:docMk/>
             <pc:sldMk cId="237841854" sldId="316"/>
             <ac:spMk id="2" creationId="{60D87200-C1B0-B733-957A-D9223EB3D3E5}"/>
+          </ac:spMkLst>
+        </pc:spChg>
+      </pc:sldChg>
+    </pc:docChg>
+  </pc:docChgLst>
+  <pc:docChgLst>
+    <pc:chgData name="Cesar Augusto Lopez Gallego" userId="0dfa9112-9251-4882-b472-cf2dfcee09d1" providerId="ADAL" clId="{1F2D0AB0-DC8F-4D1F-9606-504277ADE058}"/>
+    <pc:docChg chg="modSld">
+      <pc:chgData name="Cesar Augusto Lopez Gallego" userId="0dfa9112-9251-4882-b472-cf2dfcee09d1" providerId="ADAL" clId="{1F2D0AB0-DC8F-4D1F-9606-504277ADE058}" dt="2026-01-16T14:14:53.460" v="3" actId="20577"/>
+      <pc:docMkLst>
+        <pc:docMk/>
+      </pc:docMkLst>
+      <pc:sldChg chg="modSp mod">
+        <pc:chgData name="Cesar Augusto Lopez Gallego" userId="0dfa9112-9251-4882-b472-cf2dfcee09d1" providerId="ADAL" clId="{1F2D0AB0-DC8F-4D1F-9606-504277ADE058}" dt="2026-01-16T14:14:53.460" v="3" actId="20577"/>
+        <pc:sldMkLst>
+          <pc:docMk/>
+          <pc:sldMk cId="0" sldId="258"/>
+        </pc:sldMkLst>
+        <pc:spChg chg="mod">
+          <ac:chgData name="Cesar Augusto Lopez Gallego" userId="0dfa9112-9251-4882-b472-cf2dfcee09d1" providerId="ADAL" clId="{1F2D0AB0-DC8F-4D1F-9606-504277ADE058}" dt="2026-01-16T14:14:53.460" v="3" actId="20577"/>
+          <ac:spMkLst>
+            <pc:docMk/>
+            <pc:sldMk cId="0" sldId="258"/>
+            <ac:spMk id="99" creationId="{00000000-0000-0000-0000-000000000000}"/>
           </ac:spMkLst>
         </pc:spChg>
       </pc:sldChg>
@@ -23897,10 +23921,22 @@
               <a:buNone/>
             </a:pPr>
             <a:r>
-              <a:rPr lang="es-CO"/>
-              <a:t>Algoritmo → Al-Khowarizmi</a:t>
+              <a:rPr lang="es-CO" dirty="0"/>
+              <a:t>Algoritmo </a:t>
             </a:r>
-            <a:endParaRPr/>
+            <a:r>
+              <a:rPr lang="es-ES" dirty="0"/>
+              <a:t>➡️ </a:t>
+            </a:r>
+            <a:r>
+              <a:rPr lang="es-CO" dirty="0"/>
+              <a:t>Al-</a:t>
+            </a:r>
+            <a:r>
+              <a:rPr lang="es-CO" dirty="0" err="1"/>
+              <a:t>Khowarizmi</a:t>
+            </a:r>
+            <a:endParaRPr dirty="0"/>
           </a:p>
         </p:txBody>
       </p:sp>
@@ -23951,10 +23987,10 @@
               <a:buChar char="•"/>
             </a:pPr>
             <a:r>
-              <a:rPr lang="es-CO"/>
+              <a:rPr lang="es-CO" dirty="0"/>
               <a:t>Conjunto de instrucciones finito para: </a:t>
             </a:r>
-            <a:endParaRPr/>
+            <a:endParaRPr dirty="0"/>
           </a:p>
           <a:p>
             <a:pPr marL="777217" marR="0" lvl="1" indent="-287837" algn="l" rtl="0">
@@ -23975,10 +24011,10 @@
               <a:buChar char="•"/>
             </a:pPr>
             <a:r>
-              <a:rPr lang="es-CO"/>
+              <a:rPr lang="es-CO" dirty="0"/>
               <a:t>Resolver un problema </a:t>
             </a:r>
-            <a:endParaRPr/>
+            <a:endParaRPr dirty="0"/>
           </a:p>
           <a:p>
             <a:pPr marL="777217" marR="0" lvl="1" indent="-287837" algn="l" rtl="0">
@@ -23999,10 +24035,10 @@
               <a:buChar char="•"/>
             </a:pPr>
             <a:r>
-              <a:rPr lang="es-CO"/>
+              <a:rPr lang="es-CO" dirty="0"/>
               <a:t>Obtener un resultado</a:t>
             </a:r>
-            <a:endParaRPr/>
+            <a:endParaRPr dirty="0"/>
           </a:p>
           <a:p>
             <a:pPr marL="777217" marR="0" lvl="1" indent="-259072" algn="l" rtl="0">
@@ -24019,10 +24055,10 @@
               <a:buChar char="•"/>
             </a:pPr>
             <a:r>
-              <a:rPr lang="es-CO"/>
+              <a:rPr lang="es-CO" dirty="0"/>
               <a:t>Preciso: siempre hace lo mismo</a:t>
             </a:r>
-            <a:endParaRPr/>
+            <a:endParaRPr dirty="0"/>
           </a:p>
           <a:p>
             <a:pPr marL="259072" marR="0" lvl="0" indent="-259072" algn="l" rtl="0">
@@ -24043,13 +24079,13 @@
               <a:buChar char="•"/>
             </a:pPr>
             <a:r>
-              <a:rPr lang="es-CO"/>
+              <a:rPr lang="es-CO" dirty="0"/>
               <a:t>Las instrucciones NO se contradicen entre ellas</a:t>
             </a:r>
             <a:br>
-              <a:rPr lang="es-CO"/>
+              <a:rPr lang="es-CO" dirty="0"/>
             </a:br>
-            <a:endParaRPr sz="3173" b="0" i="0" u="none" strike="noStrike" cap="none">
+            <a:endParaRPr sz="3173" b="0" i="0" u="none" strike="noStrike" cap="none" dirty="0">
               <a:solidFill>
                 <a:schemeClr val="dk1"/>
               </a:solidFill>
